--- a/meeting/20180824.pptx
+++ b/meeting/20180824.pptx
@@ -9,6 +9,7 @@
     <p:sldId id="257" r:id="rId3"/>
     <p:sldId id="258" r:id="rId4"/>
     <p:sldId id="259" r:id="rId5"/>
+    <p:sldId id="260" r:id="rId6"/>
   </p:sldIdLst>
   <p:sldSz cx="9144000" cy="6858000" type="screen4x3"/>
   <p:notesSz cx="6858000" cy="9144000"/>
@@ -3545,12 +3546,21 @@
                     </m:r>
                     <m:r>
                       <m:rPr>
-                        <m:nor/>
+                        <m:sty m:val="p"/>
+                      </m:rPr>
+                      <a:rPr lang="en-US" altLang="ja-JP" i="0">
+                        <a:latin typeface="Cambria Math" panose="02040503050406030204" pitchFamily="18" charset="0"/>
+                      </a:rPr>
+                      <m:t>foll</m:t>
+                    </m:r>
+                    <m:r>
+                      <m:rPr>
+                        <m:sty m:val="p"/>
                       </m:rPr>
                       <a:rPr lang="en-US" altLang="ja-JP" b="0" i="0" smtClean="0">
                         <a:latin typeface="Cambria Math" panose="02040503050406030204" pitchFamily="18" charset="0"/>
                       </a:rPr>
-                      <m:t>child</m:t>
+                      <m:t>owing</m:t>
                     </m:r>
                     <m:r>
                       <m:rPr>
@@ -4049,6 +4059,102 @@
     <p:extLst>
       <p:ext uri="{BB962C8B-B14F-4D97-AF65-F5344CB8AC3E}">
         <p14:creationId xmlns:p14="http://schemas.microsoft.com/office/powerpoint/2010/main" val="1608310217"/>
+      </p:ext>
+    </p:extLst>
+  </p:cSld>
+  <p:clrMapOvr>
+    <a:masterClrMapping/>
+  </p:clrMapOvr>
+</p:sld>
+</file>
+
+<file path=ppt/slides/slide5.xml><?xml version="1.0" encoding="utf-8"?>
+<p:sld xmlns:a="http://schemas.openxmlformats.org/drawingml/2006/main" xmlns:r="http://schemas.openxmlformats.org/officeDocument/2006/relationships" xmlns:p="http://schemas.openxmlformats.org/presentationml/2006/main">
+  <p:cSld>
+    <p:spTree>
+      <p:nvGrpSpPr>
+        <p:cNvPr id="1" name=""/>
+        <p:cNvGrpSpPr/>
+        <p:nvPr/>
+      </p:nvGrpSpPr>
+      <p:grpSpPr>
+        <a:xfrm>
+          <a:off x="0" y="0"/>
+          <a:ext cx="0" cy="0"/>
+          <a:chOff x="0" y="0"/>
+          <a:chExt cx="0" cy="0"/>
+        </a:xfrm>
+      </p:grpSpPr>
+      <p:sp>
+        <p:nvSpPr>
+          <p:cNvPr id="2" name="タイトル 1">
+            <a:extLst>
+              <a:ext uri="{FF2B5EF4-FFF2-40B4-BE49-F238E27FC236}">
+                <a16:creationId xmlns:a16="http://schemas.microsoft.com/office/drawing/2014/main" id="{CF88ABED-DBD3-2D4F-A2D2-58053E84E65F}"/>
+              </a:ext>
+            </a:extLst>
+          </p:cNvPr>
+          <p:cNvSpPr>
+            <a:spLocks noGrp="1"/>
+          </p:cNvSpPr>
+          <p:nvPr>
+            <p:ph type="title"/>
+          </p:nvPr>
+        </p:nvSpPr>
+        <p:spPr/>
+        <p:txBody>
+          <a:bodyPr/>
+          <a:lstStyle/>
+          <a:p>
+            <a:r>
+              <a:rPr kumimoji="1" lang="ja-JP" altLang="en-US"/>
+              <a:t>次回まで</a:t>
+            </a:r>
+          </a:p>
+        </p:txBody>
+      </p:sp>
+      <p:sp>
+        <p:nvSpPr>
+          <p:cNvPr id="3" name="コンテンツ プレースホルダー 2">
+            <a:extLst>
+              <a:ext uri="{FF2B5EF4-FFF2-40B4-BE49-F238E27FC236}">
+                <a16:creationId xmlns:a16="http://schemas.microsoft.com/office/drawing/2014/main" id="{87100A10-DD40-0842-A65B-F23DDA817C15}"/>
+              </a:ext>
+            </a:extLst>
+          </p:cNvPr>
+          <p:cNvSpPr>
+            <a:spLocks noGrp="1"/>
+          </p:cNvSpPr>
+          <p:nvPr>
+            <p:ph idx="1"/>
+          </p:nvPr>
+        </p:nvSpPr>
+        <p:spPr/>
+        <p:txBody>
+          <a:bodyPr/>
+          <a:lstStyle/>
+          <a:p>
+            <a:r>
+              <a:rPr kumimoji="1" lang="ja-JP" altLang="en-US"/>
+              <a:t>親方向の実行時間の改善</a:t>
+            </a:r>
+            <a:endParaRPr kumimoji="1" lang="en-US" altLang="ja-JP" dirty="0"/>
+          </a:p>
+          <a:p>
+            <a:endParaRPr lang="en-US" altLang="ja-JP" dirty="0"/>
+          </a:p>
+          <a:p>
+            <a:r>
+              <a:rPr kumimoji="1" lang="ja-JP" altLang="en-US"/>
+              <a:t>いろんな軸で実験</a:t>
+            </a:r>
+          </a:p>
+        </p:txBody>
+      </p:sp>
+    </p:spTree>
+    <p:extLst>
+      <p:ext uri="{BB962C8B-B14F-4D97-AF65-F5344CB8AC3E}">
+        <p14:creationId xmlns:p14="http://schemas.microsoft.com/office/powerpoint/2010/main" val="2887951548"/>
       </p:ext>
     </p:extLst>
   </p:cSld>
